--- a/Alpha-Tech-Demo1.pptx
+++ b/Alpha-Tech-Demo1.pptx
@@ -9,8 +9,8 @@
     <p:sldId id="259" r:id="rId3"/>
     <p:sldId id="262" r:id="rId4"/>
     <p:sldId id="260" r:id="rId5"/>
-    <p:sldId id="263" r:id="rId6"/>
-    <p:sldId id="264" r:id="rId7"/>
+    <p:sldId id="264" r:id="rId6"/>
+    <p:sldId id="263" r:id="rId7"/>
     <p:sldId id="265" r:id="rId8"/>
   </p:sldIdLst>
   <p:sldSz cx="9144000" cy="6858000" type="screen4x3"/>
@@ -4071,18 +4071,18 @@
         </p:nvSpPr>
         <p:spPr>
           <a:xfrm>
-            <a:off x="251520" y="1052736"/>
-            <a:ext cx="4247328" cy="5073744"/>
+            <a:off x="251520" y="908720"/>
+            <a:ext cx="3528392" cy="5217760"/>
           </a:xfrm>
         </p:spPr>
         <p:txBody>
           <a:bodyPr>
-            <a:normAutofit fontScale="92500"/>
+            <a:normAutofit/>
           </a:bodyPr>
           <a:lstStyle/>
           <a:p>
             <a:r>
-              <a:rPr lang="en-US" dirty="0">
+              <a:rPr lang="en-US" sz="2000" dirty="0">
                 <a:solidFill>
                   <a:schemeClr val="tx1"/>
                 </a:solidFill>
@@ -4090,7 +4090,7 @@
               <a:t> </a:t>
             </a:r>
             <a:r>
-              <a:rPr lang="en-US" dirty="0" smtClean="0">
+              <a:rPr lang="en-US" sz="2000" dirty="0" smtClean="0">
                 <a:solidFill>
                   <a:schemeClr val="tx1"/>
                 </a:solidFill>
@@ -4098,7 +4098,7 @@
               <a:t>Our application is to be used on </a:t>
             </a:r>
             <a:r>
-              <a:rPr lang="en-US" dirty="0">
+              <a:rPr lang="en-US" sz="2000" dirty="0">
                 <a:solidFill>
                   <a:schemeClr val="tx1"/>
                 </a:solidFill>
@@ -4106,7 +4106,7 @@
               <a:t>mobile </a:t>
             </a:r>
             <a:r>
-              <a:rPr lang="en-US" dirty="0" smtClean="0">
+              <a:rPr lang="en-US" sz="2000" dirty="0" smtClean="0">
                 <a:solidFill>
                   <a:schemeClr val="tx1"/>
                 </a:solidFill>
@@ -4115,7 +4115,7 @@
             </a:r>
           </a:p>
           <a:p>
-            <a:endParaRPr lang="en-US" dirty="0">
+            <a:endParaRPr lang="en-US" sz="2000" dirty="0">
               <a:solidFill>
                 <a:schemeClr val="tx1"/>
               </a:solidFill>
@@ -4123,7 +4123,7 @@
           </a:p>
           <a:p>
             <a:r>
-              <a:rPr lang="en-US" dirty="0">
+              <a:rPr lang="en-US" sz="2000" dirty="0">
                 <a:solidFill>
                   <a:schemeClr val="tx1"/>
                 </a:solidFill>
@@ -4131,16 +4131,32 @@
               <a:t> </a:t>
             </a:r>
             <a:r>
-              <a:rPr lang="en-US" dirty="0" smtClean="0">
+              <a:rPr lang="en-US" sz="2000" dirty="0" smtClean="0">
                 <a:solidFill>
                   <a:schemeClr val="tx1"/>
                 </a:solidFill>
               </a:rPr>
-              <a:t>System allows digital information exchange.</a:t>
-            </a:r>
-          </a:p>
-          <a:p>
-            <a:endParaRPr lang="en-US" dirty="0">
+              <a:t>Our System </a:t>
+            </a:r>
+            <a:r>
+              <a:rPr lang="en-US" sz="2000" dirty="0" smtClean="0">
+                <a:solidFill>
+                  <a:schemeClr val="tx1"/>
+                </a:solidFill>
+              </a:rPr>
+              <a:t>allows digital information exchange.</a:t>
+            </a:r>
+          </a:p>
+          <a:p>
+            <a:r>
+              <a:rPr lang="en-US" sz="2000" smtClean="0">
+                <a:solidFill>
+                  <a:schemeClr val="tx1"/>
+                </a:solidFill>
+              </a:rPr>
+              <a:t>s</a:t>
+            </a:r>
+            <a:endParaRPr lang="en-US" sz="2000" dirty="0">
               <a:solidFill>
                 <a:schemeClr val="tx1"/>
               </a:solidFill>
@@ -4148,7 +4164,7 @@
           </a:p>
           <a:p>
             <a:r>
-              <a:rPr lang="en-US" dirty="0" smtClean="0">
+              <a:rPr lang="en-US" sz="2000" dirty="0" smtClean="0">
                 <a:solidFill>
                   <a:schemeClr val="tx1"/>
                 </a:solidFill>
@@ -4156,7 +4172,7 @@
               <a:t>Our system allows effective updates of </a:t>
             </a:r>
             <a:r>
-              <a:rPr lang="en-US" dirty="0">
+              <a:rPr lang="en-US" sz="2000" dirty="0">
                 <a:solidFill>
                   <a:schemeClr val="tx1"/>
                 </a:solidFill>
@@ -4164,7 +4180,7 @@
               <a:t>information on the business </a:t>
             </a:r>
             <a:r>
-              <a:rPr lang="en-US" dirty="0" smtClean="0">
+              <a:rPr lang="en-US" sz="2000" dirty="0" smtClean="0">
                 <a:solidFill>
                   <a:schemeClr val="tx1"/>
                 </a:solidFill>
@@ -4173,7 +4189,7 @@
             </a:r>
           </a:p>
           <a:p>
-            <a:endParaRPr lang="en-US" dirty="0">
+            <a:endParaRPr lang="en-US" sz="2000" dirty="0">
               <a:solidFill>
                 <a:schemeClr val="tx1"/>
               </a:solidFill>
@@ -4181,7 +4197,7 @@
           </a:p>
           <a:p>
             <a:r>
-              <a:rPr lang="en-US" dirty="0">
+              <a:rPr lang="en-US" sz="2000" dirty="0">
                 <a:solidFill>
                   <a:schemeClr val="tx1"/>
                 </a:solidFill>
@@ -4189,70 +4205,57 @@
               <a:t> It must be </a:t>
             </a:r>
             <a:r>
-              <a:rPr lang="en-US" dirty="0" smtClean="0">
+              <a:rPr lang="en-US" sz="2000" dirty="0" smtClean="0">
                 <a:solidFill>
                   <a:schemeClr val="tx1"/>
                 </a:solidFill>
               </a:rPr>
-              <a:t>secure</a:t>
-            </a:r>
-          </a:p>
-          <a:p>
-            <a:endParaRPr lang="en-US" dirty="0">
+              <a:t>secure.</a:t>
+            </a:r>
+            <a:endParaRPr lang="en-US" sz="2000" dirty="0" smtClean="0">
               <a:solidFill>
                 <a:schemeClr val="tx1"/>
               </a:solidFill>
             </a:endParaRPr>
           </a:p>
           <a:p>
-            <a:r>
-              <a:rPr lang="en-US" dirty="0">
-                <a:solidFill>
-                  <a:schemeClr val="tx1"/>
-                </a:solidFill>
-              </a:rPr>
-              <a:t> It must be user friendly</a:t>
-            </a:r>
-          </a:p>
-          <a:p>
-            <a:pPr marL="0" indent="0">
-              <a:buNone/>
-            </a:pPr>
-            <a:endParaRPr lang="en-US" dirty="0"/>
-          </a:p>
-          <a:p>
-            <a:endParaRPr lang="en-ZA" dirty="0"/>
-          </a:p>
-        </p:txBody>
-      </p:sp>
-      <p:sp>
-        <p:nvSpPr>
-          <p:cNvPr id="7" name="Content Placeholder 6"/>
-          <p:cNvSpPr>
-            <a:spLocks noGrp="1"/>
-          </p:cNvSpPr>
-          <p:nvPr>
-            <p:ph sz="quarter" idx="14"/>
-          </p:nvPr>
-        </p:nvSpPr>
-        <p:spPr>
-          <a:xfrm>
-            <a:off x="4672584" y="1052736"/>
-            <a:ext cx="4041648" cy="5073299"/>
-          </a:xfrm>
-        </p:spPr>
-        <p:txBody>
-          <a:bodyPr>
-            <a:normAutofit/>
-          </a:bodyPr>
-          <a:lstStyle/>
-          <a:p>
-            <a:pPr lvl="0"/>
-            <a:endParaRPr lang="en-ZA" sz="2200" dirty="0">
+            <a:endParaRPr lang="en-US" sz="2000" dirty="0">
               <a:solidFill>
                 <a:schemeClr val="tx1"/>
               </a:solidFill>
             </a:endParaRPr>
+          </a:p>
+          <a:p>
+            <a:r>
+              <a:rPr lang="en-US" sz="2000" dirty="0">
+                <a:solidFill>
+                  <a:schemeClr val="tx1"/>
+                </a:solidFill>
+              </a:rPr>
+              <a:t> It must be user </a:t>
+            </a:r>
+            <a:r>
+              <a:rPr lang="en-US" sz="2000" dirty="0" smtClean="0">
+                <a:solidFill>
+                  <a:schemeClr val="tx1"/>
+                </a:solidFill>
+              </a:rPr>
+              <a:t>friendly.</a:t>
+            </a:r>
+            <a:endParaRPr lang="en-US" sz="2000" dirty="0">
+              <a:solidFill>
+                <a:schemeClr val="tx1"/>
+              </a:solidFill>
+            </a:endParaRPr>
+          </a:p>
+          <a:p>
+            <a:pPr marL="0" indent="0">
+              <a:buNone/>
+            </a:pPr>
+            <a:endParaRPr lang="en-US" sz="2000" dirty="0"/>
+          </a:p>
+          <a:p>
+            <a:endParaRPr lang="en-ZA" sz="2000" dirty="0"/>
           </a:p>
         </p:txBody>
       </p:sp>
@@ -4305,7 +4308,7 @@
         </p:nvCxnSpPr>
         <p:spPr>
           <a:xfrm>
-            <a:off x="4486978" y="980728"/>
+            <a:off x="3779912" y="987219"/>
             <a:ext cx="0" cy="5040560"/>
           </a:xfrm>
           <a:prstGeom prst="line">
@@ -4332,6 +4335,408 @@
           </a:fontRef>
         </p:style>
       </p:cxnSp>
+      <p:sp>
+        <p:nvSpPr>
+          <p:cNvPr id="8" name="Content Placeholder 2"/>
+          <p:cNvSpPr>
+            <a:spLocks noGrp="1"/>
+          </p:cNvSpPr>
+          <p:nvPr>
+            <p:ph sz="quarter" idx="14"/>
+          </p:nvPr>
+        </p:nvSpPr>
+        <p:spPr>
+          <a:xfrm>
+            <a:off x="3779912" y="908720"/>
+            <a:ext cx="4933877" cy="5217443"/>
+          </a:xfrm>
+        </p:spPr>
+        <p:txBody>
+          <a:bodyPr>
+            <a:noAutofit/>
+          </a:bodyPr>
+          <a:lstStyle/>
+          <a:p>
+            <a:pPr marL="266700" indent="-266700"/>
+            <a:r>
+              <a:rPr lang="en-US" sz="2000" dirty="0" smtClean="0">
+                <a:solidFill>
+                  <a:schemeClr val="tx1"/>
+                </a:solidFill>
+              </a:rPr>
+              <a:t>A window with an arrow to the right – Button used to log </a:t>
+            </a:r>
+            <a:r>
+              <a:rPr lang="en-US" sz="2000" dirty="0" smtClean="0">
+                <a:solidFill>
+                  <a:schemeClr val="tx1"/>
+                </a:solidFill>
+              </a:rPr>
+              <a:t>in</a:t>
+            </a:r>
+          </a:p>
+          <a:p>
+            <a:pPr marL="266700" indent="-266700"/>
+            <a:endParaRPr lang="en-US" sz="2000" dirty="0" smtClean="0">
+              <a:solidFill>
+                <a:schemeClr val="tx1"/>
+              </a:solidFill>
+            </a:endParaRPr>
+          </a:p>
+          <a:p>
+            <a:pPr marL="266700" indent="-266700"/>
+            <a:r>
+              <a:rPr lang="en-US" sz="2000" dirty="0" smtClean="0">
+                <a:solidFill>
+                  <a:schemeClr val="tx1"/>
+                </a:solidFill>
+              </a:rPr>
+              <a:t>Dustbin – Represents delete information from card </a:t>
+            </a:r>
+            <a:r>
+              <a:rPr lang="en-US" sz="2000" dirty="0" smtClean="0">
+                <a:solidFill>
+                  <a:schemeClr val="tx1"/>
+                </a:solidFill>
+              </a:rPr>
+              <a:t>option</a:t>
+            </a:r>
+          </a:p>
+          <a:p>
+            <a:pPr marL="266700" indent="-266700"/>
+            <a:endParaRPr lang="en-US" sz="2000" dirty="0" smtClean="0">
+              <a:solidFill>
+                <a:schemeClr val="tx1"/>
+              </a:solidFill>
+            </a:endParaRPr>
+          </a:p>
+          <a:p>
+            <a:pPr marL="266700" indent="-266700"/>
+            <a:r>
+              <a:rPr lang="en-US" sz="2000" dirty="0" smtClean="0">
+                <a:solidFill>
+                  <a:schemeClr val="tx1"/>
+                </a:solidFill>
+              </a:rPr>
+              <a:t> Card image – Represents viewing a cards </a:t>
+            </a:r>
+            <a:r>
+              <a:rPr lang="en-US" sz="2000" dirty="0" smtClean="0">
+                <a:solidFill>
+                  <a:schemeClr val="tx1"/>
+                </a:solidFill>
+              </a:rPr>
+              <a:t>option</a:t>
+            </a:r>
+          </a:p>
+          <a:p>
+            <a:pPr marL="266700" indent="-266700"/>
+            <a:endParaRPr lang="en-US" sz="2000" dirty="0" smtClean="0">
+              <a:solidFill>
+                <a:schemeClr val="tx1"/>
+              </a:solidFill>
+            </a:endParaRPr>
+          </a:p>
+          <a:p>
+            <a:pPr marL="266700" indent="-266700"/>
+            <a:r>
+              <a:rPr lang="en-US" sz="2000" dirty="0" smtClean="0">
+                <a:solidFill>
+                  <a:schemeClr val="tx1"/>
+                </a:solidFill>
+              </a:rPr>
+              <a:t>Files – Represents reading information on cards </a:t>
+            </a:r>
+            <a:r>
+              <a:rPr lang="en-US" sz="2000" dirty="0" smtClean="0">
+                <a:solidFill>
+                  <a:schemeClr val="tx1"/>
+                </a:solidFill>
+              </a:rPr>
+              <a:t>option.</a:t>
+            </a:r>
+          </a:p>
+          <a:p>
+            <a:pPr marL="266700" indent="-266700"/>
+            <a:endParaRPr lang="en-US" sz="2000" dirty="0" smtClean="0">
+              <a:solidFill>
+                <a:schemeClr val="tx1"/>
+              </a:solidFill>
+            </a:endParaRPr>
+          </a:p>
+          <a:p>
+            <a:pPr marL="266700" indent="-266700"/>
+            <a:r>
+              <a:rPr lang="en-US" sz="2000" dirty="0" smtClean="0">
+                <a:solidFill>
+                  <a:schemeClr val="tx1"/>
+                </a:solidFill>
+              </a:rPr>
+              <a:t>Pencil – Represents an update </a:t>
+            </a:r>
+            <a:r>
+              <a:rPr lang="en-US" sz="2000" dirty="0" smtClean="0">
+                <a:solidFill>
+                  <a:schemeClr val="tx1"/>
+                </a:solidFill>
+              </a:rPr>
+              <a:t>option</a:t>
+            </a:r>
+          </a:p>
+          <a:p>
+            <a:pPr marL="0" indent="0">
+              <a:buNone/>
+            </a:pPr>
+            <a:endParaRPr lang="en-US" sz="2000" dirty="0" smtClean="0">
+              <a:solidFill>
+                <a:schemeClr val="tx1"/>
+              </a:solidFill>
+            </a:endParaRPr>
+          </a:p>
+          <a:p>
+            <a:pPr marL="0" indent="0">
+              <a:buNone/>
+            </a:pPr>
+            <a:endParaRPr lang="en-US" sz="2000" dirty="0" smtClean="0">
+              <a:solidFill>
+                <a:schemeClr val="tx1"/>
+              </a:solidFill>
+            </a:endParaRPr>
+          </a:p>
+        </p:txBody>
+      </p:sp>
+      <p:pic>
+        <p:nvPicPr>
+          <p:cNvPr id="10" name="Picture 9"/>
+          <p:cNvPicPr>
+            <a:picLocks noChangeAspect="1"/>
+          </p:cNvPicPr>
+          <p:nvPr/>
+        </p:nvPicPr>
+        <p:blipFill>
+          <a:blip r:embed="rId3">
+            <a:extLst>
+              <a:ext uri="{28A0092B-C50C-407E-A947-70E740481C1C}">
+                <a14:useLocalDpi xmlns:a14="http://schemas.microsoft.com/office/drawing/2010/main" val="0"/>
+              </a:ext>
+            </a:extLst>
+          </a:blip>
+          <a:stretch>
+            <a:fillRect/>
+          </a:stretch>
+        </p:blipFill>
+        <p:spPr>
+          <a:xfrm>
+            <a:off x="7029669" y="1301968"/>
+            <a:ext cx="962080" cy="244462"/>
+          </a:xfrm>
+          <a:prstGeom prst="rect">
+            <a:avLst/>
+          </a:prstGeom>
+        </p:spPr>
+      </p:pic>
+      <p:pic>
+        <p:nvPicPr>
+          <p:cNvPr id="11" name="Picture 10"/>
+          <p:cNvPicPr>
+            <a:picLocks noChangeAspect="1"/>
+          </p:cNvPicPr>
+          <p:nvPr/>
+        </p:nvPicPr>
+        <p:blipFill>
+          <a:blip r:embed="rId4" cstate="print">
+            <a:extLst>
+              <a:ext uri="{28A0092B-C50C-407E-A947-70E740481C1C}">
+                <a14:useLocalDpi xmlns:a14="http://schemas.microsoft.com/office/drawing/2010/main" val="0"/>
+              </a:ext>
+            </a:extLst>
+          </a:blip>
+          <a:stretch>
+            <a:fillRect/>
+          </a:stretch>
+        </p:blipFill>
+        <p:spPr>
+          <a:xfrm>
+            <a:off x="7812360" y="2175328"/>
+            <a:ext cx="1247412" cy="237968"/>
+          </a:xfrm>
+          <a:prstGeom prst="rect">
+            <a:avLst/>
+          </a:prstGeom>
+        </p:spPr>
+      </p:pic>
+      <p:pic>
+        <p:nvPicPr>
+          <p:cNvPr id="12" name="Picture 11"/>
+          <p:cNvPicPr>
+            <a:picLocks noChangeAspect="1"/>
+          </p:cNvPicPr>
+          <p:nvPr/>
+        </p:nvPicPr>
+        <p:blipFill>
+          <a:blip r:embed="rId5" cstate="print">
+            <a:extLst>
+              <a:ext uri="{28A0092B-C50C-407E-A947-70E740481C1C}">
+                <a14:useLocalDpi xmlns:a14="http://schemas.microsoft.com/office/drawing/2010/main" val="0"/>
+              </a:ext>
+            </a:extLst>
+          </a:blip>
+          <a:stretch>
+            <a:fillRect/>
+          </a:stretch>
+        </p:blipFill>
+        <p:spPr>
+          <a:xfrm>
+            <a:off x="5989580" y="3391998"/>
+            <a:ext cx="1247412" cy="231002"/>
+          </a:xfrm>
+          <a:prstGeom prst="rect">
+            <a:avLst/>
+          </a:prstGeom>
+        </p:spPr>
+      </p:pic>
+      <p:pic>
+        <p:nvPicPr>
+          <p:cNvPr id="13" name="Picture 12"/>
+          <p:cNvPicPr>
+            <a:picLocks noChangeAspect="1"/>
+          </p:cNvPicPr>
+          <p:nvPr/>
+        </p:nvPicPr>
+        <p:blipFill>
+          <a:blip r:embed="rId6" cstate="print">
+            <a:extLst>
+              <a:ext uri="{28A0092B-C50C-407E-A947-70E740481C1C}">
+                <a14:useLocalDpi xmlns:a14="http://schemas.microsoft.com/office/drawing/2010/main" val="0"/>
+              </a:ext>
+            </a:extLst>
+          </a:blip>
+          <a:stretch>
+            <a:fillRect/>
+          </a:stretch>
+        </p:blipFill>
+        <p:spPr>
+          <a:xfrm>
+            <a:off x="7627880" y="4221088"/>
+            <a:ext cx="1247412" cy="241064"/>
+          </a:xfrm>
+          <a:prstGeom prst="rect">
+            <a:avLst/>
+          </a:prstGeom>
+        </p:spPr>
+      </p:pic>
+      <p:pic>
+        <p:nvPicPr>
+          <p:cNvPr id="14" name="Picture 13"/>
+          <p:cNvPicPr/>
+          <p:nvPr/>
+        </p:nvPicPr>
+        <p:blipFill>
+          <a:blip r:embed="rId7" cstate="print">
+            <a:extLst>
+              <a:ext uri="{28A0092B-C50C-407E-A947-70E740481C1C}">
+                <a14:useLocalDpi xmlns:a14="http://schemas.microsoft.com/office/drawing/2010/main" val="0"/>
+              </a:ext>
+            </a:extLst>
+          </a:blip>
+          <a:stretch>
+            <a:fillRect/>
+          </a:stretch>
+        </p:blipFill>
+        <p:spPr>
+          <a:xfrm>
+            <a:off x="8074181" y="5157192"/>
+            <a:ext cx="744364" cy="504057"/>
+          </a:xfrm>
+          <a:prstGeom prst="rect">
+            <a:avLst/>
+          </a:prstGeom>
+        </p:spPr>
+      </p:pic>
+      <p:pic>
+        <p:nvPicPr>
+          <p:cNvPr id="15" name="Picture 14"/>
+          <p:cNvPicPr/>
+          <p:nvPr/>
+        </p:nvPicPr>
+        <p:blipFill>
+          <a:blip r:embed="rId8" cstate="print">
+            <a:extLst>
+              <a:ext uri="{28A0092B-C50C-407E-A947-70E740481C1C}">
+                <a14:useLocalDpi xmlns:a14="http://schemas.microsoft.com/office/drawing/2010/main" val="0"/>
+              </a:ext>
+            </a:extLst>
+          </a:blip>
+          <a:stretch>
+            <a:fillRect/>
+          </a:stretch>
+        </p:blipFill>
+        <p:spPr>
+          <a:xfrm>
+            <a:off x="4860032" y="5852976"/>
+            <a:ext cx="709827" cy="477393"/>
+          </a:xfrm>
+          <a:prstGeom prst="rect">
+            <a:avLst/>
+          </a:prstGeom>
+        </p:spPr>
+      </p:pic>
+      <p:pic>
+        <p:nvPicPr>
+          <p:cNvPr id="16" name="Picture 15"/>
+          <p:cNvPicPr/>
+          <p:nvPr/>
+        </p:nvPicPr>
+        <p:blipFill>
+          <a:blip r:embed="rId9" cstate="print">
+            <a:extLst>
+              <a:ext uri="{28A0092B-C50C-407E-A947-70E740481C1C}">
+                <a14:useLocalDpi xmlns:a14="http://schemas.microsoft.com/office/drawing/2010/main" val="0"/>
+              </a:ext>
+            </a:extLst>
+          </a:blip>
+          <a:stretch>
+            <a:fillRect/>
+          </a:stretch>
+        </p:blipFill>
+        <p:spPr>
+          <a:xfrm>
+            <a:off x="4067944" y="5835013"/>
+            <a:ext cx="696701" cy="504055"/>
+          </a:xfrm>
+          <a:prstGeom prst="rect">
+            <a:avLst/>
+          </a:prstGeom>
+        </p:spPr>
+      </p:pic>
+      <p:pic>
+        <p:nvPicPr>
+          <p:cNvPr id="17" name="Picture 16"/>
+          <p:cNvPicPr/>
+          <p:nvPr/>
+        </p:nvPicPr>
+        <p:blipFill>
+          <a:blip r:embed="rId10" cstate="print">
+            <a:extLst>
+              <a:ext uri="{28A0092B-C50C-407E-A947-70E740481C1C}">
+                <a14:useLocalDpi xmlns:a14="http://schemas.microsoft.com/office/drawing/2010/main" val="0"/>
+              </a:ext>
+            </a:extLst>
+          </a:blip>
+          <a:stretch>
+            <a:fillRect/>
+          </a:stretch>
+        </p:blipFill>
+        <p:spPr>
+          <a:xfrm>
+            <a:off x="5638951" y="5828035"/>
+            <a:ext cx="701257" cy="518010"/>
+          </a:xfrm>
+          <a:prstGeom prst="rect">
+            <a:avLst/>
+          </a:prstGeom>
+        </p:spPr>
+      </p:pic>
     </p:spTree>
     <p:extLst>
       <p:ext uri="{BB962C8B-B14F-4D97-AF65-F5344CB8AC3E}">
@@ -4381,8 +4786,8 @@
         </p:nvSpPr>
         <p:spPr>
           <a:xfrm>
-            <a:off x="251520" y="116632"/>
-            <a:ext cx="8229600" cy="1051520"/>
+            <a:off x="395536" y="286369"/>
+            <a:ext cx="8229600" cy="979512"/>
           </a:xfrm>
         </p:spPr>
         <p:txBody>
@@ -4391,7 +4796,7 @@
           <a:p>
             <a:r>
               <a:rPr lang="en-ZA" dirty="0" smtClean="0"/>
-              <a:t>Deployment Diagram </a:t>
+              <a:t>Package Diagram</a:t>
             </a:r>
             <a:endParaRPr lang="en-ZA" dirty="0"/>
           </a:p>
@@ -4440,13 +4845,11 @@
       </p:pic>
       <p:pic>
         <p:nvPicPr>
-          <p:cNvPr id="1026" name="Picture 2"/>
+          <p:cNvPr id="1026" name="Picture 2" descr="C:\Users\PhutiSetoaba\Desktop\School\2018\COS 301\Project\Demo slides\package diagram.PNG"/>
           <p:cNvPicPr>
-            <a:picLocks noGrp="1" noChangeAspect="1" noChangeArrowheads="1"/>
+            <a:picLocks noChangeAspect="1" noChangeArrowheads="1"/>
           </p:cNvPicPr>
-          <p:nvPr>
-            <p:ph idx="1"/>
-          </p:nvPr>
+          <p:nvPr/>
         </p:nvPicPr>
         <p:blipFill>
           <a:blip r:embed="rId3">
@@ -4463,33 +4866,20 @@
         </p:blipFill>
         <p:spPr bwMode="auto">
           <a:xfrm>
-            <a:off x="519112" y="1412776"/>
-            <a:ext cx="8105775" cy="4412555"/>
+            <a:off x="1331640" y="1265881"/>
+            <a:ext cx="6800296" cy="4557291"/>
           </a:xfrm>
           <a:prstGeom prst="rect">
             <a:avLst/>
           </a:prstGeom>
           <a:noFill/>
-          <a:ln>
-            <a:noFill/>
-          </a:ln>
           <a:extLst>
             <a:ext uri="{909E8E84-426E-40DD-AFC4-6F175D3DCCD1}">
               <a14:hiddenFill xmlns:a14="http://schemas.microsoft.com/office/drawing/2010/main">
                 <a:solidFill>
-                  <a:schemeClr val="accent1"/>
+                  <a:srgbClr val="FFFFFF"/>
                 </a:solidFill>
               </a14:hiddenFill>
-            </a:ext>
-            <a:ext uri="{91240B29-F687-4F45-9708-019B960494DF}">
-              <a14:hiddenLine xmlns:a14="http://schemas.microsoft.com/office/drawing/2010/main" w="9525">
-                <a:solidFill>
-                  <a:schemeClr val="tx1"/>
-                </a:solidFill>
-                <a:miter lim="800000"/>
-                <a:headEnd/>
-                <a:tailEnd/>
-              </a14:hiddenLine>
             </a:ext>
           </a:extLst>
         </p:spPr>
@@ -4497,7 +4887,7 @@
     </p:spTree>
     <p:extLst>
       <p:ext uri="{BB962C8B-B14F-4D97-AF65-F5344CB8AC3E}">
-        <p14:creationId xmlns:p14="http://schemas.microsoft.com/office/powerpoint/2010/main" val="3190773675"/>
+        <p14:creationId xmlns:p14="http://schemas.microsoft.com/office/powerpoint/2010/main" val="667067475"/>
       </p:ext>
     </p:extLst>
   </p:cSld>
@@ -4543,8 +4933,8 @@
         </p:nvSpPr>
         <p:spPr>
           <a:xfrm>
-            <a:off x="395536" y="286369"/>
-            <a:ext cx="8229600" cy="979512"/>
+            <a:off x="251520" y="116632"/>
+            <a:ext cx="8229600" cy="1051520"/>
           </a:xfrm>
         </p:spPr>
         <p:txBody>
@@ -4553,7 +4943,7 @@
           <a:p>
             <a:r>
               <a:rPr lang="en-ZA" dirty="0" smtClean="0"/>
-              <a:t>Package Diagram</a:t>
+              <a:t>Deployment Diagram </a:t>
             </a:r>
             <a:endParaRPr lang="en-ZA" dirty="0"/>
           </a:p>
@@ -4602,11 +4992,13 @@
       </p:pic>
       <p:pic>
         <p:nvPicPr>
-          <p:cNvPr id="1026" name="Picture 2" descr="C:\Users\PhutiSetoaba\Desktop\School\2018\COS 301\Project\Demo slides\package diagram.PNG"/>
+          <p:cNvPr id="1026" name="Picture 2"/>
           <p:cNvPicPr>
-            <a:picLocks noChangeAspect="1" noChangeArrowheads="1"/>
+            <a:picLocks noGrp="1" noChangeAspect="1" noChangeArrowheads="1"/>
           </p:cNvPicPr>
-          <p:nvPr/>
+          <p:nvPr>
+            <p:ph idx="1"/>
+          </p:nvPr>
         </p:nvPicPr>
         <p:blipFill>
           <a:blip r:embed="rId3">
@@ -4623,20 +5015,33 @@
         </p:blipFill>
         <p:spPr bwMode="auto">
           <a:xfrm>
-            <a:off x="1331640" y="1265881"/>
-            <a:ext cx="6800296" cy="4557291"/>
+            <a:off x="519112" y="1268760"/>
+            <a:ext cx="8105775" cy="4412555"/>
           </a:xfrm>
           <a:prstGeom prst="rect">
             <a:avLst/>
           </a:prstGeom>
           <a:noFill/>
+          <a:ln>
+            <a:noFill/>
+          </a:ln>
           <a:extLst>
             <a:ext uri="{909E8E84-426E-40DD-AFC4-6F175D3DCCD1}">
               <a14:hiddenFill xmlns:a14="http://schemas.microsoft.com/office/drawing/2010/main">
                 <a:solidFill>
-                  <a:srgbClr val="FFFFFF"/>
+                  <a:schemeClr val="accent1"/>
                 </a:solidFill>
               </a14:hiddenFill>
+            </a:ext>
+            <a:ext uri="{91240B29-F687-4F45-9708-019B960494DF}">
+              <a14:hiddenLine xmlns:a14="http://schemas.microsoft.com/office/drawing/2010/main" w="9525">
+                <a:solidFill>
+                  <a:schemeClr val="tx1"/>
+                </a:solidFill>
+                <a:miter lim="800000"/>
+                <a:headEnd/>
+                <a:tailEnd/>
+              </a14:hiddenLine>
             </a:ext>
           </a:extLst>
         </p:spPr>
@@ -4644,13 +5049,20 @@
     </p:spTree>
     <p:extLst>
       <p:ext uri="{BB962C8B-B14F-4D97-AF65-F5344CB8AC3E}">
-        <p14:creationId xmlns:p14="http://schemas.microsoft.com/office/powerpoint/2010/main" val="667067475"/>
+        <p14:creationId xmlns:p14="http://schemas.microsoft.com/office/powerpoint/2010/main" val="3190773675"/>
       </p:ext>
     </p:extLst>
   </p:cSld>
   <p:clrMapOvr>
     <a:masterClrMapping/>
   </p:clrMapOvr>
+  <p:timing>
+    <p:tnLst>
+      <p:par>
+        <p:cTn id="1" dur="indefinite" restart="never" nodeType="tmRoot"/>
+      </p:par>
+    </p:tnLst>
+  </p:timing>
 </p:sld>
 </file>
 
@@ -4811,6 +5223,13 @@
   <p:clrMapOvr>
     <a:masterClrMapping/>
   </p:clrMapOvr>
+  <p:timing>
+    <p:tnLst>
+      <p:par>
+        <p:cTn id="1" dur="indefinite" restart="never" nodeType="tmRoot"/>
+      </p:par>
+    </p:tnLst>
+  </p:timing>
 </p:sld>
 </file>
 

--- a/Alpha-Tech-Demo1.pptx
+++ b/Alpha-Tech-Demo1.pptx
@@ -305,7 +305,7 @@
           <a:p>
             <a:fld id="{6367C07A-26A3-4169-A90E-89E53D9C5F1A}" type="datetimeFigureOut">
               <a:rPr lang="en-ZA" smtClean="0"/>
-              <a:t>2018-03-15</a:t>
+              <a:t>2018-03-16</a:t>
             </a:fld>
             <a:endParaRPr lang="en-ZA"/>
           </a:p>
@@ -470,7 +470,7 @@
           <a:p>
             <a:fld id="{6367C07A-26A3-4169-A90E-89E53D9C5F1A}" type="datetimeFigureOut">
               <a:rPr lang="en-ZA" smtClean="0"/>
-              <a:t>2018-03-15</a:t>
+              <a:t>2018-03-16</a:t>
             </a:fld>
             <a:endParaRPr lang="en-ZA"/>
           </a:p>
@@ -645,7 +645,7 @@
           <a:p>
             <a:fld id="{6367C07A-26A3-4169-A90E-89E53D9C5F1A}" type="datetimeFigureOut">
               <a:rPr lang="en-ZA" smtClean="0"/>
-              <a:t>2018-03-15</a:t>
+              <a:t>2018-03-16</a:t>
             </a:fld>
             <a:endParaRPr lang="en-ZA"/>
           </a:p>
@@ -828,7 +828,7 @@
           <a:p>
             <a:fld id="{6367C07A-26A3-4169-A90E-89E53D9C5F1A}" type="datetimeFigureOut">
               <a:rPr lang="en-ZA" smtClean="0"/>
-              <a:t>2018-03-15</a:t>
+              <a:t>2018-03-16</a:t>
             </a:fld>
             <a:endParaRPr lang="en-ZA"/>
           </a:p>
@@ -1090,7 +1090,7 @@
           <a:p>
             <a:fld id="{6367C07A-26A3-4169-A90E-89E53D9C5F1A}" type="datetimeFigureOut">
               <a:rPr lang="en-ZA" smtClean="0"/>
-              <a:t>2018-03-15</a:t>
+              <a:t>2018-03-16</a:t>
             </a:fld>
             <a:endParaRPr lang="en-ZA"/>
           </a:p>
@@ -1438,7 +1438,7 @@
           <a:p>
             <a:fld id="{6367C07A-26A3-4169-A90E-89E53D9C5F1A}" type="datetimeFigureOut">
               <a:rPr lang="en-ZA" smtClean="0"/>
-              <a:t>2018-03-15</a:t>
+              <a:t>2018-03-16</a:t>
             </a:fld>
             <a:endParaRPr lang="en-ZA"/>
           </a:p>
@@ -1746,7 +1746,7 @@
           <a:p>
             <a:fld id="{6367C07A-26A3-4169-A90E-89E53D9C5F1A}" type="datetimeFigureOut">
               <a:rPr lang="en-ZA" smtClean="0"/>
-              <a:t>2018-03-15</a:t>
+              <a:t>2018-03-16</a:t>
             </a:fld>
             <a:endParaRPr lang="en-ZA"/>
           </a:p>
@@ -1973,7 +1973,7 @@
           <a:p>
             <a:fld id="{6367C07A-26A3-4169-A90E-89E53D9C5F1A}" type="datetimeFigureOut">
               <a:rPr lang="en-ZA" smtClean="0"/>
-              <a:t>2018-03-15</a:t>
+              <a:t>2018-03-16</a:t>
             </a:fld>
             <a:endParaRPr lang="en-ZA"/>
           </a:p>
@@ -2063,7 +2063,7 @@
           <a:p>
             <a:fld id="{6367C07A-26A3-4169-A90E-89E53D9C5F1A}" type="datetimeFigureOut">
               <a:rPr lang="en-ZA" smtClean="0"/>
-              <a:t>2018-03-15</a:t>
+              <a:t>2018-03-16</a:t>
             </a:fld>
             <a:endParaRPr lang="en-ZA"/>
           </a:p>
@@ -2351,7 +2351,7 @@
           <a:p>
             <a:fld id="{6367C07A-26A3-4169-A90E-89E53D9C5F1A}" type="datetimeFigureOut">
               <a:rPr lang="en-ZA" smtClean="0"/>
-              <a:t>2018-03-15</a:t>
+              <a:t>2018-03-16</a:t>
             </a:fld>
             <a:endParaRPr lang="en-ZA"/>
           </a:p>
@@ -2620,7 +2620,7 @@
           <a:p>
             <a:fld id="{6367C07A-26A3-4169-A90E-89E53D9C5F1A}" type="datetimeFigureOut">
               <a:rPr lang="en-ZA" smtClean="0"/>
-              <a:t>2018-03-15</a:t>
+              <a:t>2018-03-16</a:t>
             </a:fld>
             <a:endParaRPr lang="en-ZA"/>
           </a:p>
@@ -2830,7 +2830,7 @@
           <a:p>
             <a:fld id="{6367C07A-26A3-4169-A90E-89E53D9C5F1A}" type="datetimeFigureOut">
               <a:rPr lang="en-ZA" smtClean="0"/>
-              <a:t>2018-03-15</a:t>
+              <a:t>2018-03-16</a:t>
             </a:fld>
             <a:endParaRPr lang="en-ZA"/>
           </a:p>
@@ -4082,12 +4082,12 @@
           <a:lstStyle/>
           <a:p>
             <a:r>
-              <a:rPr lang="en-US" sz="2000" dirty="0">
+              <a:rPr lang="en-US" sz="2000" dirty="0" smtClean="0">
                 <a:solidFill>
                   <a:schemeClr val="tx1"/>
                 </a:solidFill>
               </a:rPr>
-              <a:t> </a:t>
+              <a:t>Our </a:t>
             </a:r>
             <a:r>
               <a:rPr lang="en-US" sz="2000" dirty="0" smtClean="0">
@@ -4095,7 +4095,7 @@
                   <a:schemeClr val="tx1"/>
                 </a:solidFill>
               </a:rPr>
-              <a:t>Our application is to be used on </a:t>
+              <a:t>application is to be used on </a:t>
             </a:r>
             <a:r>
               <a:rPr lang="en-US" sz="2000" dirty="0">
@@ -4123,12 +4123,12 @@
           </a:p>
           <a:p>
             <a:r>
-              <a:rPr lang="en-US" sz="2000" dirty="0">
+              <a:rPr lang="en-US" sz="2000" dirty="0" smtClean="0">
                 <a:solidFill>
                   <a:schemeClr val="tx1"/>
                 </a:solidFill>
               </a:rPr>
-              <a:t> </a:t>
+              <a:t>Our </a:t>
             </a:r>
             <a:r>
               <a:rPr lang="en-US" sz="2000" dirty="0" smtClean="0">
@@ -4136,7 +4136,7 @@
                   <a:schemeClr val="tx1"/>
                 </a:solidFill>
               </a:rPr>
-              <a:t>Our System </a:t>
+              <a:t>System allows digital information exchange</a:t>
             </a:r>
             <a:r>
               <a:rPr lang="en-US" sz="2000" dirty="0" smtClean="0">
@@ -4144,18 +4144,13 @@
                   <a:schemeClr val="tx1"/>
                 </a:solidFill>
               </a:rPr>
-              <a:t>allows digital information exchange.</a:t>
-            </a:r>
-          </a:p>
-          <a:p>
-            <a:r>
-              <a:rPr lang="en-US" sz="2000" smtClean="0">
-                <a:solidFill>
-                  <a:schemeClr val="tx1"/>
-                </a:solidFill>
-              </a:rPr>
-              <a:t>s</a:t>
-            </a:r>
+              <a:t>.</a:t>
+            </a:r>
+          </a:p>
+          <a:p>
+            <a:pPr marL="0" indent="0">
+              <a:buNone/>
+            </a:pPr>
             <a:endParaRPr lang="en-US" sz="2000" dirty="0">
               <a:solidFill>
                 <a:schemeClr val="tx1"/>
@@ -4197,12 +4192,20 @@
           </a:p>
           <a:p>
             <a:r>
+              <a:rPr lang="en-US" sz="2000" dirty="0" smtClean="0">
+                <a:solidFill>
+                  <a:schemeClr val="tx1"/>
+                </a:solidFill>
+              </a:rPr>
+              <a:t>It </a:t>
+            </a:r>
+            <a:r>
               <a:rPr lang="en-US" sz="2000" dirty="0">
                 <a:solidFill>
                   <a:schemeClr val="tx1"/>
                 </a:solidFill>
               </a:rPr>
-              <a:t> It must be </a:t>
+              <a:t>must be </a:t>
             </a:r>
             <a:r>
               <a:rPr lang="en-US" sz="2000" dirty="0" smtClean="0">
@@ -4212,11 +4215,6 @@
               </a:rPr>
               <a:t>secure.</a:t>
             </a:r>
-            <a:endParaRPr lang="en-US" sz="2000" dirty="0" smtClean="0">
-              <a:solidFill>
-                <a:schemeClr val="tx1"/>
-              </a:solidFill>
-            </a:endParaRPr>
           </a:p>
           <a:p>
             <a:endParaRPr lang="en-US" sz="2000" dirty="0">
@@ -4227,12 +4225,20 @@
           </a:p>
           <a:p>
             <a:r>
+              <a:rPr lang="en-US" sz="2000" dirty="0" smtClean="0">
+                <a:solidFill>
+                  <a:schemeClr val="tx1"/>
+                </a:solidFill>
+              </a:rPr>
+              <a:t>It </a:t>
+            </a:r>
+            <a:r>
               <a:rPr lang="en-US" sz="2000" dirty="0">
                 <a:solidFill>
                   <a:schemeClr val="tx1"/>
                 </a:solidFill>
               </a:rPr>
-              <a:t> It must be user </a:t>
+              <a:t>must be user </a:t>
             </a:r>
             <a:r>
               <a:rPr lang="en-US" sz="2000" dirty="0" smtClean="0">
@@ -4364,15 +4370,7 @@
                   <a:schemeClr val="tx1"/>
                 </a:solidFill>
               </a:rPr>
-              <a:t>A window with an arrow to the right – Button used to log </a:t>
-            </a:r>
-            <a:r>
-              <a:rPr lang="en-US" sz="2000" dirty="0" smtClean="0">
-                <a:solidFill>
-                  <a:schemeClr val="tx1"/>
-                </a:solidFill>
-              </a:rPr>
-              <a:t>in</a:t>
+              <a:t>A window with an arrow to the right – Button used to log in</a:t>
             </a:r>
           </a:p>
           <a:p>
@@ -4391,15 +4389,7 @@
                   <a:schemeClr val="tx1"/>
                 </a:solidFill>
               </a:rPr>
-              <a:t>Dustbin – Represents delete information from card </a:t>
-            </a:r>
-            <a:r>
-              <a:rPr lang="en-US" sz="2000" dirty="0" smtClean="0">
-                <a:solidFill>
-                  <a:schemeClr val="tx1"/>
-                </a:solidFill>
-              </a:rPr>
-              <a:t>option</a:t>
+              <a:t>Dustbin – Represents delete information from card option</a:t>
             </a:r>
           </a:p>
           <a:p>
@@ -4418,15 +4408,7 @@
                   <a:schemeClr val="tx1"/>
                 </a:solidFill>
               </a:rPr>
-              <a:t> Card image – Represents viewing a cards </a:t>
-            </a:r>
-            <a:r>
-              <a:rPr lang="en-US" sz="2000" dirty="0" smtClean="0">
-                <a:solidFill>
-                  <a:schemeClr val="tx1"/>
-                </a:solidFill>
-              </a:rPr>
-              <a:t>option</a:t>
+              <a:t> Card image – Represents viewing a cards option</a:t>
             </a:r>
           </a:p>
           <a:p>
@@ -4445,15 +4427,7 @@
                   <a:schemeClr val="tx1"/>
                 </a:solidFill>
               </a:rPr>
-              <a:t>Files – Represents reading information on cards </a:t>
-            </a:r>
-            <a:r>
-              <a:rPr lang="en-US" sz="2000" dirty="0" smtClean="0">
-                <a:solidFill>
-                  <a:schemeClr val="tx1"/>
-                </a:solidFill>
-              </a:rPr>
-              <a:t>option.</a:t>
+              <a:t>Files – Represents reading information on cards option.</a:t>
             </a:r>
           </a:p>
           <a:p>
@@ -4472,15 +4446,7 @@
                   <a:schemeClr val="tx1"/>
                 </a:solidFill>
               </a:rPr>
-              <a:t>Pencil – Represents an update </a:t>
-            </a:r>
-            <a:r>
-              <a:rPr lang="en-US" sz="2000" dirty="0" smtClean="0">
-                <a:solidFill>
-                  <a:schemeClr val="tx1"/>
-                </a:solidFill>
-              </a:rPr>
-              <a:t>option</a:t>
+              <a:t>Pencil – Represents an update option</a:t>
             </a:r>
           </a:p>
           <a:p>
